--- a/Major Project/User Guide.pptx
+++ b/Major Project/User Guide.pptx
@@ -111,6 +111,11 @@
       </a:defRPr>
     </a:lvl9pPr>
   </p:defaultTextStyle>
+  <p:extLst>
+    <p:ext uri="{EFAFB233-063F-42B5-8137-9DF3F51BA10A}">
+      <p15:sldGuideLst xmlns:p15="http://schemas.microsoft.com/office/powerpoint/2012/main"/>
+    </p:ext>
+  </p:extLst>
 </p:presentation>
 </file>
 
@@ -3524,52 +3529,6 @@
           </a:p>
         </p:txBody>
       </p:sp>
-      <p:sp>
-        <p:nvSpPr>
-          <p:cNvPr id="11" name="Rectangle 10">
-            <a:hlinkClick r:id="rId5" action="ppaction://hlinksldjump"/>
-            <a:extLst>
-              <a:ext uri="{FF2B5EF4-FFF2-40B4-BE49-F238E27FC236}">
-                <a16:creationId xmlns:a16="http://schemas.microsoft.com/office/drawing/2014/main" id="{9C0E160F-F687-4F07-9F8B-9E50865B18B0}"/>
-              </a:ext>
-            </a:extLst>
-          </p:cNvPr>
-          <p:cNvSpPr/>
-          <p:nvPr/>
-        </p:nvSpPr>
-        <p:spPr>
-          <a:xfrm>
-            <a:off x="4771054" y="3977951"/>
-            <a:ext cx="2836505" cy="646331"/>
-          </a:xfrm>
-          <a:prstGeom prst="rect">
-            <a:avLst/>
-          </a:prstGeom>
-          <a:ln/>
-        </p:spPr>
-        <p:style>
-          <a:lnRef idx="1">
-            <a:schemeClr val="accent5"/>
-          </a:lnRef>
-          <a:fillRef idx="2">
-            <a:schemeClr val="accent5"/>
-          </a:fillRef>
-          <a:effectRef idx="1">
-            <a:schemeClr val="accent5"/>
-          </a:effectRef>
-          <a:fontRef idx="minor">
-            <a:schemeClr val="dk1"/>
-          </a:fontRef>
-        </p:style>
-        <p:txBody>
-          <a:bodyPr rtlCol="0" anchor="ctr"/>
-          <a:lstStyle/>
-          <a:p>
-            <a:pPr algn="ctr"/>
-            <a:endParaRPr lang="en-AU"/>
-          </a:p>
-        </p:txBody>
-      </p:sp>
     </p:spTree>
     <p:extLst>
       <p:ext uri="{BB962C8B-B14F-4D97-AF65-F5344CB8AC3E}">
